--- a/project (1).pptx
+++ b/project (1).pptx
@@ -5587,14 +5587,14 @@
           <p:nvPr>
             <p:extLst>
               <p:ext uri="{D42A27DB-BD31-4B8C-83A1-F6EECF244321}">
-                <p14:modId xmlns:p14="http://schemas.microsoft.com/office/powerpoint/2010/main" val="2496918136"/>
+                <p14:modId xmlns:p14="http://schemas.microsoft.com/office/powerpoint/2010/main" val="1844319542"/>
               </p:ext>
             </p:extLst>
           </p:nvPr>
         </p:nvGraphicFramePr>
         <p:xfrm>
           <a:off x="928253" y="1342089"/>
-          <a:ext cx="10390912" cy="3710887"/>
+          <a:ext cx="10390912" cy="4123448"/>
         </p:xfrm>
         <a:graphic>
           <a:graphicData uri="http://schemas.openxmlformats.org/drawingml/2006/table">
@@ -10411,6 +10411,90 @@
                     <a:bodyPr/>
                     <a:lstStyle/>
                     <a:p>
+                      <a:r>
+                        <a:rPr lang="en-US" sz="1400" smtClean="0">
+                          <a:solidFill>
+                            <a:schemeClr val="tx1"/>
+                          </a:solidFill>
+                          <a:latin typeface="Arial" panose="020B0604020202020204" pitchFamily="34" charset="0"/>
+                          <a:cs typeface="Arial" panose="020B0604020202020204" pitchFamily="34" charset="0"/>
+                        </a:rPr>
+                        <a:t>Test</a:t>
+                      </a:r>
+                      <a:r>
+                        <a:rPr lang="en-US" sz="1400" baseline="0" smtClean="0">
+                          <a:solidFill>
+                            <a:schemeClr val="tx1"/>
+                          </a:solidFill>
+                          <a:latin typeface="Arial" panose="020B0604020202020204" pitchFamily="34" charset="0"/>
+                          <a:cs typeface="Arial" panose="020B0604020202020204" pitchFamily="34" charset="0"/>
+                        </a:rPr>
+                        <a:t> 30_12</a:t>
+                      </a:r>
+                      <a:endParaRPr lang="en-US" sz="1400" dirty="0">
+                        <a:solidFill>
+                          <a:schemeClr val="tx1"/>
+                        </a:solidFill>
+                        <a:latin typeface="Arial" panose="020B0604020202020204" pitchFamily="34" charset="0"/>
+                        <a:cs typeface="Arial" panose="020B0604020202020204" pitchFamily="34" charset="0"/>
+                      </a:endParaRPr>
+                    </a:p>
+                  </a:txBody>
+                  <a:tcPr>
+                    <a:lnL w="12700" cap="flat" cmpd="sng" algn="ctr">
+                      <a:solidFill>
+                        <a:schemeClr val="tx1"/>
+                      </a:solidFill>
+                      <a:prstDash val="solid"/>
+                      <a:round/>
+                      <a:headEnd type="none" w="med" len="med"/>
+                      <a:tailEnd type="none" w="med" len="med"/>
+                    </a:lnL>
+                    <a:lnR w="12700" cap="flat" cmpd="sng" algn="ctr">
+                      <a:solidFill>
+                        <a:schemeClr val="tx1"/>
+                      </a:solidFill>
+                      <a:prstDash val="solid"/>
+                      <a:round/>
+                      <a:headEnd type="none" w="med" len="med"/>
+                      <a:tailEnd type="none" w="med" len="med"/>
+                    </a:lnR>
+                    <a:lnT w="12700" cap="flat" cmpd="sng" algn="ctr">
+                      <a:solidFill>
+                        <a:schemeClr val="tx1"/>
+                      </a:solidFill>
+                      <a:prstDash val="solid"/>
+                      <a:round/>
+                      <a:headEnd type="none" w="med" len="med"/>
+                      <a:tailEnd type="none" w="med" len="med"/>
+                    </a:lnT>
+                    <a:lnB w="12700" cap="flat" cmpd="sng" algn="ctr">
+                      <a:solidFill>
+                        <a:schemeClr val="tx1"/>
+                      </a:solidFill>
+                      <a:prstDash val="solid"/>
+                      <a:round/>
+                      <a:headEnd type="none" w="med" len="med"/>
+                      <a:tailEnd type="none" w="med" len="med"/>
+                    </a:lnB>
+                    <a:noFill/>
+                  </a:tcPr>
+                </a:tc>
+                <a:tc>
+                  <a:txBody>
+                    <a:bodyPr/>
+                    <a:lstStyle/>
+                    <a:p>
+                      <a:r>
+                        <a:rPr lang="en-US" sz="1400" smtClean="0">
+                          <a:solidFill>
+                            <a:schemeClr val="tx1"/>
+                          </a:solidFill>
+                          <a:latin typeface="Arial" panose="020B0604020202020204" pitchFamily="34" charset="0"/>
+                          <a:cs typeface="Arial" panose="020B0604020202020204" pitchFamily="34" charset="0"/>
+                        </a:rPr>
+                        <a:t>34</a:t>
+                      </a:r>
                       <a:endParaRPr lang="en-US" sz="1400" dirty="0">
                         <a:solidFill>
                           <a:schemeClr val="tx1"/>
@@ -10573,6 +10657,16 @@
                     <a:bodyPr/>
                     <a:lstStyle/>
                     <a:p>
+                      <a:r>
+                        <a:rPr lang="en-US" sz="1400" smtClean="0">
+                          <a:solidFill>
+                            <a:schemeClr val="tx1"/>
+                          </a:solidFill>
+                          <a:latin typeface="Arial" panose="020B0604020202020204" pitchFamily="34" charset="0"/>
+                          <a:cs typeface="Arial" panose="020B0604020202020204" pitchFamily="34" charset="0"/>
+                        </a:rPr>
+                        <a:t>35.72</a:t>
+                      </a:r>
                       <a:endParaRPr lang="en-US" sz="1400" dirty="0">
                         <a:solidFill>
                           <a:schemeClr val="tx1"/>
@@ -10946,6 +11040,151 @@
                     <a:noFill/>
                   </a:tcPr>
                 </a:tc>
+                <a:extLst>
+                  <a:ext uri="{0D108BD9-81ED-4DB2-BD59-A6C34878D82A}">
+                    <a16:rowId xmlns:a16="http://schemas.microsoft.com/office/drawing/2014/main" val="2311931218"/>
+                  </a:ext>
+                </a:extLst>
+              </a:tr>
+              <a:tr h="412561">
+                <a:tc>
+                  <a:txBody>
+                    <a:bodyPr/>
+                    <a:lstStyle/>
+                    <a:p>
+                      <a:r>
+                        <a:rPr lang="en-US" sz="1400" smtClean="0">
+                          <a:solidFill>
+                            <a:schemeClr val="tx1"/>
+                          </a:solidFill>
+                          <a:latin typeface="Arial" panose="020B0604020202020204" pitchFamily="34" charset="0"/>
+                          <a:cs typeface="Arial" panose="020B0604020202020204" pitchFamily="34" charset="0"/>
+                        </a:rPr>
+                        <a:t>Test</a:t>
+                      </a:r>
+                      <a:r>
+                        <a:rPr lang="en-US" sz="1400" baseline="0" smtClean="0">
+                          <a:solidFill>
+                            <a:schemeClr val="tx1"/>
+                          </a:solidFill>
+                          <a:latin typeface="Arial" panose="020B0604020202020204" pitchFamily="34" charset="0"/>
+                          <a:cs typeface="Arial" panose="020B0604020202020204" pitchFamily="34" charset="0"/>
+                        </a:rPr>
+                        <a:t> 30_15</a:t>
+                      </a:r>
+                      <a:endParaRPr lang="en-US" sz="1400" dirty="0">
+                        <a:solidFill>
+                          <a:schemeClr val="tx1"/>
+                        </a:solidFill>
+                        <a:latin typeface="Arial" panose="020B0604020202020204" pitchFamily="34" charset="0"/>
+                        <a:cs typeface="Arial" panose="020B0604020202020204" pitchFamily="34" charset="0"/>
+                      </a:endParaRPr>
+                    </a:p>
+                  </a:txBody>
+                  <a:tcPr>
+                    <a:lnL w="12700" cap="flat" cmpd="sng" algn="ctr">
+                      <a:solidFill>
+                        <a:schemeClr val="tx1"/>
+                      </a:solidFill>
+                      <a:prstDash val="solid"/>
+                      <a:round/>
+                      <a:headEnd type="none" w="med" len="med"/>
+                      <a:tailEnd type="none" w="med" len="med"/>
+                    </a:lnL>
+                    <a:lnR w="12700" cap="flat" cmpd="sng" algn="ctr">
+                      <a:solidFill>
+                        <a:schemeClr val="tx1"/>
+                      </a:solidFill>
+                      <a:prstDash val="solid"/>
+                      <a:round/>
+                      <a:headEnd type="none" w="med" len="med"/>
+                      <a:tailEnd type="none" w="med" len="med"/>
+                    </a:lnR>
+                    <a:lnT w="12700" cap="flat" cmpd="sng" algn="ctr">
+                      <a:solidFill>
+                        <a:schemeClr val="tx1"/>
+                      </a:solidFill>
+                      <a:prstDash val="solid"/>
+                      <a:round/>
+                      <a:headEnd type="none" w="med" len="med"/>
+                      <a:tailEnd type="none" w="med" len="med"/>
+                    </a:lnT>
+                    <a:lnB w="12700" cap="flat" cmpd="sng" algn="ctr">
+                      <a:solidFill>
+                        <a:schemeClr val="tx1"/>
+                      </a:solidFill>
+                      <a:prstDash val="solid"/>
+                      <a:round/>
+                      <a:headEnd type="none" w="med" len="med"/>
+                      <a:tailEnd type="none" w="med" len="med"/>
+                    </a:lnB>
+                    <a:noFill/>
+                  </a:tcPr>
+                </a:tc>
+                <a:tc>
+                  <a:txBody>
+                    <a:bodyPr/>
+                    <a:lstStyle/>
+                    <a:p>
+                      <a:r>
+                        <a:rPr lang="en-US" sz="1400" smtClean="0">
+                          <a:solidFill>
+                            <a:schemeClr val="tx1"/>
+                          </a:solidFill>
+                          <a:latin typeface="Arial" panose="020B0604020202020204" pitchFamily="34" charset="0"/>
+                          <a:cs typeface="Arial" panose="020B0604020202020204" pitchFamily="34" charset="0"/>
+                        </a:rPr>
+                        <a:t>34</a:t>
+                      </a:r>
+                      <a:endParaRPr lang="en-US" sz="1400" dirty="0">
+                        <a:solidFill>
+                          <a:schemeClr val="tx1"/>
+                        </a:solidFill>
+                        <a:latin typeface="Arial" panose="020B0604020202020204" pitchFamily="34" charset="0"/>
+                        <a:cs typeface="Arial" panose="020B0604020202020204" pitchFamily="34" charset="0"/>
+                      </a:endParaRPr>
+                    </a:p>
+                  </a:txBody>
+                  <a:tcPr>
+                    <a:lnL w="12700" cap="flat" cmpd="sng" algn="ctr">
+                      <a:solidFill>
+                        <a:schemeClr val="tx1"/>
+                      </a:solidFill>
+                      <a:prstDash val="solid"/>
+                      <a:round/>
+                      <a:headEnd type="none" w="med" len="med"/>
+                      <a:tailEnd type="none" w="med" len="med"/>
+                    </a:lnL>
+                    <a:lnR w="12700" cap="flat" cmpd="sng" algn="ctr">
+                      <a:solidFill>
+                        <a:schemeClr val="tx1"/>
+                      </a:solidFill>
+                      <a:prstDash val="solid"/>
+                      <a:round/>
+                      <a:headEnd type="none" w="med" len="med"/>
+                      <a:tailEnd type="none" w="med" len="med"/>
+                    </a:lnR>
+                    <a:lnT w="12700" cap="flat" cmpd="sng" algn="ctr">
+                      <a:solidFill>
+                        <a:schemeClr val="tx1"/>
+                      </a:solidFill>
+                      <a:prstDash val="solid"/>
+                      <a:round/>
+                      <a:headEnd type="none" w="med" len="med"/>
+                      <a:tailEnd type="none" w="med" len="med"/>
+                    </a:lnT>
+                    <a:lnB w="12700" cap="flat" cmpd="sng" algn="ctr">
+                      <a:solidFill>
+                        <a:schemeClr val="tx1"/>
+                      </a:solidFill>
+                      <a:prstDash val="solid"/>
+                      <a:round/>
+                      <a:headEnd type="none" w="med" len="med"/>
+                      <a:tailEnd type="none" w="med" len="med"/>
+                    </a:lnB>
+                    <a:noFill/>
+                  </a:tcPr>
+                </a:tc>
                 <a:tc>
                   <a:txBody>
                     <a:bodyPr/>
@@ -11000,9 +11239,451 @@
                     <a:noFill/>
                   </a:tcPr>
                 </a:tc>
+                <a:tc>
+                  <a:txBody>
+                    <a:bodyPr/>
+                    <a:lstStyle/>
+                    <a:p>
+                      <a:endParaRPr lang="en-US" sz="1400" dirty="0">
+                        <a:solidFill>
+                          <a:schemeClr val="tx1"/>
+                        </a:solidFill>
+                        <a:latin typeface="Arial" panose="020B0604020202020204" pitchFamily="34" charset="0"/>
+                        <a:cs typeface="Arial" panose="020B0604020202020204" pitchFamily="34" charset="0"/>
+                      </a:endParaRPr>
+                    </a:p>
+                  </a:txBody>
+                  <a:tcPr>
+                    <a:lnL w="12700" cap="flat" cmpd="sng" algn="ctr">
+                      <a:solidFill>
+                        <a:schemeClr val="tx1"/>
+                      </a:solidFill>
+                      <a:prstDash val="solid"/>
+                      <a:round/>
+                      <a:headEnd type="none" w="med" len="med"/>
+                      <a:tailEnd type="none" w="med" len="med"/>
+                    </a:lnL>
+                    <a:lnR w="12700" cap="flat" cmpd="sng" algn="ctr">
+                      <a:solidFill>
+                        <a:schemeClr val="tx1"/>
+                      </a:solidFill>
+                      <a:prstDash val="solid"/>
+                      <a:round/>
+                      <a:headEnd type="none" w="med" len="med"/>
+                      <a:tailEnd type="none" w="med" len="med"/>
+                    </a:lnR>
+                    <a:lnT w="12700" cap="flat" cmpd="sng" algn="ctr">
+                      <a:solidFill>
+                        <a:schemeClr val="tx1"/>
+                      </a:solidFill>
+                      <a:prstDash val="solid"/>
+                      <a:round/>
+                      <a:headEnd type="none" w="med" len="med"/>
+                      <a:tailEnd type="none" w="med" len="med"/>
+                    </a:lnT>
+                    <a:lnB w="12700" cap="flat" cmpd="sng" algn="ctr">
+                      <a:solidFill>
+                        <a:schemeClr val="tx1"/>
+                      </a:solidFill>
+                      <a:prstDash val="solid"/>
+                      <a:round/>
+                      <a:headEnd type="none" w="med" len="med"/>
+                      <a:tailEnd type="none" w="med" len="med"/>
+                    </a:lnB>
+                    <a:noFill/>
+                  </a:tcPr>
+                </a:tc>
+                <a:tc>
+                  <a:txBody>
+                    <a:bodyPr/>
+                    <a:lstStyle/>
+                    <a:p>
+                      <a:r>
+                        <a:rPr lang="en-US" sz="1400" smtClean="0">
+                          <a:solidFill>
+                            <a:schemeClr val="tx1"/>
+                          </a:solidFill>
+                          <a:latin typeface="Arial" panose="020B0604020202020204" pitchFamily="34" charset="0"/>
+                          <a:cs typeface="Arial" panose="020B0604020202020204" pitchFamily="34" charset="0"/>
+                        </a:rPr>
+                        <a:t>357.7</a:t>
+                      </a:r>
+                      <a:endParaRPr lang="en-US" sz="1400" dirty="0">
+                        <a:solidFill>
+                          <a:schemeClr val="tx1"/>
+                        </a:solidFill>
+                        <a:latin typeface="Arial" panose="020B0604020202020204" pitchFamily="34" charset="0"/>
+                        <a:cs typeface="Arial" panose="020B0604020202020204" pitchFamily="34" charset="0"/>
+                      </a:endParaRPr>
+                    </a:p>
+                  </a:txBody>
+                  <a:tcPr>
+                    <a:lnL w="12700" cap="flat" cmpd="sng" algn="ctr">
+                      <a:solidFill>
+                        <a:schemeClr val="tx1"/>
+                      </a:solidFill>
+                      <a:prstDash val="solid"/>
+                      <a:round/>
+                      <a:headEnd type="none" w="med" len="med"/>
+                      <a:tailEnd type="none" w="med" len="med"/>
+                    </a:lnL>
+                    <a:lnR w="12700" cap="flat" cmpd="sng" algn="ctr">
+                      <a:solidFill>
+                        <a:schemeClr val="tx1"/>
+                      </a:solidFill>
+                      <a:prstDash val="solid"/>
+                      <a:round/>
+                      <a:headEnd type="none" w="med" len="med"/>
+                      <a:tailEnd type="none" w="med" len="med"/>
+                    </a:lnR>
+                    <a:lnT w="12700" cap="flat" cmpd="sng" algn="ctr">
+                      <a:solidFill>
+                        <a:schemeClr val="tx1"/>
+                      </a:solidFill>
+                      <a:prstDash val="solid"/>
+                      <a:round/>
+                      <a:headEnd type="none" w="med" len="med"/>
+                      <a:tailEnd type="none" w="med" len="med"/>
+                    </a:lnT>
+                    <a:lnB w="12700" cap="flat" cmpd="sng" algn="ctr">
+                      <a:solidFill>
+                        <a:schemeClr val="tx1"/>
+                      </a:solidFill>
+                      <a:prstDash val="solid"/>
+                      <a:round/>
+                      <a:headEnd type="none" w="med" len="med"/>
+                      <a:tailEnd type="none" w="med" len="med"/>
+                    </a:lnB>
+                    <a:noFill/>
+                  </a:tcPr>
+                </a:tc>
+                <a:tc>
+                  <a:txBody>
+                    <a:bodyPr/>
+                    <a:lstStyle/>
+                    <a:p>
+                      <a:endParaRPr lang="en-US" sz="1400" dirty="0">
+                        <a:solidFill>
+                          <a:schemeClr val="tx1"/>
+                        </a:solidFill>
+                        <a:latin typeface="Arial" panose="020B0604020202020204" pitchFamily="34" charset="0"/>
+                        <a:cs typeface="Arial" panose="020B0604020202020204" pitchFamily="34" charset="0"/>
+                      </a:endParaRPr>
+                    </a:p>
+                  </a:txBody>
+                  <a:tcPr>
+                    <a:lnL w="12700" cap="flat" cmpd="sng" algn="ctr">
+                      <a:solidFill>
+                        <a:schemeClr val="tx1"/>
+                      </a:solidFill>
+                      <a:prstDash val="solid"/>
+                      <a:round/>
+                      <a:headEnd type="none" w="med" len="med"/>
+                      <a:tailEnd type="none" w="med" len="med"/>
+                    </a:lnL>
+                    <a:lnR w="12700" cap="flat" cmpd="sng" algn="ctr">
+                      <a:solidFill>
+                        <a:schemeClr val="tx1"/>
+                      </a:solidFill>
+                      <a:prstDash val="solid"/>
+                      <a:round/>
+                      <a:headEnd type="none" w="med" len="med"/>
+                      <a:tailEnd type="none" w="med" len="med"/>
+                    </a:lnR>
+                    <a:lnT w="12700" cap="flat" cmpd="sng" algn="ctr">
+                      <a:solidFill>
+                        <a:schemeClr val="tx1"/>
+                      </a:solidFill>
+                      <a:prstDash val="solid"/>
+                      <a:round/>
+                      <a:headEnd type="none" w="med" len="med"/>
+                      <a:tailEnd type="none" w="med" len="med"/>
+                    </a:lnT>
+                    <a:lnB w="12700" cap="flat" cmpd="sng" algn="ctr">
+                      <a:solidFill>
+                        <a:schemeClr val="tx1"/>
+                      </a:solidFill>
+                      <a:prstDash val="solid"/>
+                      <a:round/>
+                      <a:headEnd type="none" w="med" len="med"/>
+                      <a:tailEnd type="none" w="med" len="med"/>
+                    </a:lnB>
+                    <a:noFill/>
+                  </a:tcPr>
+                </a:tc>
+                <a:tc>
+                  <a:txBody>
+                    <a:bodyPr/>
+                    <a:lstStyle/>
+                    <a:p>
+                      <a:endParaRPr lang="en-US" sz="1400" dirty="0">
+                        <a:solidFill>
+                          <a:schemeClr val="tx1"/>
+                        </a:solidFill>
+                        <a:latin typeface="Arial" panose="020B0604020202020204" pitchFamily="34" charset="0"/>
+                        <a:cs typeface="Arial" panose="020B0604020202020204" pitchFamily="34" charset="0"/>
+                      </a:endParaRPr>
+                    </a:p>
+                  </a:txBody>
+                  <a:tcPr>
+                    <a:lnL w="12700" cap="flat" cmpd="sng" algn="ctr">
+                      <a:solidFill>
+                        <a:schemeClr val="tx1"/>
+                      </a:solidFill>
+                      <a:prstDash val="solid"/>
+                      <a:round/>
+                      <a:headEnd type="none" w="med" len="med"/>
+                      <a:tailEnd type="none" w="med" len="med"/>
+                    </a:lnL>
+                    <a:lnR w="12700" cap="flat" cmpd="sng" algn="ctr">
+                      <a:solidFill>
+                        <a:schemeClr val="tx1"/>
+                      </a:solidFill>
+                      <a:prstDash val="solid"/>
+                      <a:round/>
+                      <a:headEnd type="none" w="med" len="med"/>
+                      <a:tailEnd type="none" w="med" len="med"/>
+                    </a:lnR>
+                    <a:lnT w="12700" cap="flat" cmpd="sng" algn="ctr">
+                      <a:solidFill>
+                        <a:schemeClr val="tx1"/>
+                      </a:solidFill>
+                      <a:prstDash val="solid"/>
+                      <a:round/>
+                      <a:headEnd type="none" w="med" len="med"/>
+                      <a:tailEnd type="none" w="med" len="med"/>
+                    </a:lnT>
+                    <a:lnB w="12700" cap="flat" cmpd="sng" algn="ctr">
+                      <a:solidFill>
+                        <a:schemeClr val="tx1"/>
+                      </a:solidFill>
+                      <a:prstDash val="solid"/>
+                      <a:round/>
+                      <a:headEnd type="none" w="med" len="med"/>
+                      <a:tailEnd type="none" w="med" len="med"/>
+                    </a:lnB>
+                    <a:noFill/>
+                  </a:tcPr>
+                </a:tc>
+                <a:tc>
+                  <a:txBody>
+                    <a:bodyPr/>
+                    <a:lstStyle/>
+                    <a:p>
+                      <a:endParaRPr lang="en-US" sz="1400" dirty="0">
+                        <a:solidFill>
+                          <a:schemeClr val="tx1"/>
+                        </a:solidFill>
+                        <a:latin typeface="Arial" panose="020B0604020202020204" pitchFamily="34" charset="0"/>
+                        <a:cs typeface="Arial" panose="020B0604020202020204" pitchFamily="34" charset="0"/>
+                      </a:endParaRPr>
+                    </a:p>
+                  </a:txBody>
+                  <a:tcPr>
+                    <a:lnL w="12700" cap="flat" cmpd="sng" algn="ctr">
+                      <a:solidFill>
+                        <a:schemeClr val="tx1"/>
+                      </a:solidFill>
+                      <a:prstDash val="solid"/>
+                      <a:round/>
+                      <a:headEnd type="none" w="med" len="med"/>
+                      <a:tailEnd type="none" w="med" len="med"/>
+                    </a:lnL>
+                    <a:lnR w="12700" cap="flat" cmpd="sng" algn="ctr">
+                      <a:solidFill>
+                        <a:schemeClr val="tx1"/>
+                      </a:solidFill>
+                      <a:prstDash val="solid"/>
+                      <a:round/>
+                      <a:headEnd type="none" w="med" len="med"/>
+                      <a:tailEnd type="none" w="med" len="med"/>
+                    </a:lnR>
+                    <a:lnT w="12700" cap="flat" cmpd="sng" algn="ctr">
+                      <a:solidFill>
+                        <a:schemeClr val="tx1"/>
+                      </a:solidFill>
+                      <a:prstDash val="solid"/>
+                      <a:round/>
+                      <a:headEnd type="none" w="med" len="med"/>
+                      <a:tailEnd type="none" w="med" len="med"/>
+                    </a:lnT>
+                    <a:lnB w="12700" cap="flat" cmpd="sng" algn="ctr">
+                      <a:solidFill>
+                        <a:schemeClr val="tx1"/>
+                      </a:solidFill>
+                      <a:prstDash val="solid"/>
+                      <a:round/>
+                      <a:headEnd type="none" w="med" len="med"/>
+                      <a:tailEnd type="none" w="med" len="med"/>
+                    </a:lnB>
+                    <a:noFill/>
+                  </a:tcPr>
+                </a:tc>
+                <a:tc>
+                  <a:txBody>
+                    <a:bodyPr/>
+                    <a:lstStyle/>
+                    <a:p>
+                      <a:endParaRPr lang="en-US" sz="1400" dirty="0">
+                        <a:solidFill>
+                          <a:schemeClr val="tx1"/>
+                        </a:solidFill>
+                        <a:latin typeface="Arial" panose="020B0604020202020204" pitchFamily="34" charset="0"/>
+                        <a:cs typeface="Arial" panose="020B0604020202020204" pitchFamily="34" charset="0"/>
+                      </a:endParaRPr>
+                    </a:p>
+                  </a:txBody>
+                  <a:tcPr>
+                    <a:lnL w="12700" cap="flat" cmpd="sng" algn="ctr">
+                      <a:solidFill>
+                        <a:schemeClr val="tx1"/>
+                      </a:solidFill>
+                      <a:prstDash val="solid"/>
+                      <a:round/>
+                      <a:headEnd type="none" w="med" len="med"/>
+                      <a:tailEnd type="none" w="med" len="med"/>
+                    </a:lnL>
+                    <a:lnR w="12700" cap="flat" cmpd="sng" algn="ctr">
+                      <a:solidFill>
+                        <a:schemeClr val="tx1"/>
+                      </a:solidFill>
+                      <a:prstDash val="solid"/>
+                      <a:round/>
+                      <a:headEnd type="none" w="med" len="med"/>
+                      <a:tailEnd type="none" w="med" len="med"/>
+                    </a:lnR>
+                    <a:lnT w="12700" cap="flat" cmpd="sng" algn="ctr">
+                      <a:solidFill>
+                        <a:schemeClr val="tx1"/>
+                      </a:solidFill>
+                      <a:prstDash val="solid"/>
+                      <a:round/>
+                      <a:headEnd type="none" w="med" len="med"/>
+                      <a:tailEnd type="none" w="med" len="med"/>
+                    </a:lnT>
+                    <a:lnB w="12700" cap="flat" cmpd="sng" algn="ctr">
+                      <a:solidFill>
+                        <a:schemeClr val="tx1"/>
+                      </a:solidFill>
+                      <a:prstDash val="solid"/>
+                      <a:round/>
+                      <a:headEnd type="none" w="med" len="med"/>
+                      <a:tailEnd type="none" w="med" len="med"/>
+                    </a:lnB>
+                    <a:noFill/>
+                  </a:tcPr>
+                </a:tc>
+                <a:tc>
+                  <a:txBody>
+                    <a:bodyPr/>
+                    <a:lstStyle/>
+                    <a:p>
+                      <a:endParaRPr lang="en-US" sz="1400" dirty="0">
+                        <a:solidFill>
+                          <a:schemeClr val="tx1"/>
+                        </a:solidFill>
+                        <a:latin typeface="Arial" panose="020B0604020202020204" pitchFamily="34" charset="0"/>
+                        <a:cs typeface="Arial" panose="020B0604020202020204" pitchFamily="34" charset="0"/>
+                      </a:endParaRPr>
+                    </a:p>
+                  </a:txBody>
+                  <a:tcPr>
+                    <a:lnL w="12700" cap="flat" cmpd="sng" algn="ctr">
+                      <a:solidFill>
+                        <a:schemeClr val="tx1"/>
+                      </a:solidFill>
+                      <a:prstDash val="solid"/>
+                      <a:round/>
+                      <a:headEnd type="none" w="med" len="med"/>
+                      <a:tailEnd type="none" w="med" len="med"/>
+                    </a:lnL>
+                    <a:lnR w="12700" cap="flat" cmpd="sng" algn="ctr">
+                      <a:solidFill>
+                        <a:schemeClr val="tx1"/>
+                      </a:solidFill>
+                      <a:prstDash val="solid"/>
+                      <a:round/>
+                      <a:headEnd type="none" w="med" len="med"/>
+                      <a:tailEnd type="none" w="med" len="med"/>
+                    </a:lnR>
+                    <a:lnT w="12700" cap="flat" cmpd="sng" algn="ctr">
+                      <a:solidFill>
+                        <a:schemeClr val="tx1"/>
+                      </a:solidFill>
+                      <a:prstDash val="solid"/>
+                      <a:round/>
+                      <a:headEnd type="none" w="med" len="med"/>
+                      <a:tailEnd type="none" w="med" len="med"/>
+                    </a:lnT>
+                    <a:lnB w="12700" cap="flat" cmpd="sng" algn="ctr">
+                      <a:solidFill>
+                        <a:schemeClr val="tx1"/>
+                      </a:solidFill>
+                      <a:prstDash val="solid"/>
+                      <a:round/>
+                      <a:headEnd type="none" w="med" len="med"/>
+                      <a:tailEnd type="none" w="med" len="med"/>
+                    </a:lnB>
+                    <a:noFill/>
+                  </a:tcPr>
+                </a:tc>
+                <a:tc>
+                  <a:txBody>
+                    <a:bodyPr/>
+                    <a:lstStyle/>
+                    <a:p>
+                      <a:endParaRPr lang="en-US" sz="1400" dirty="0">
+                        <a:solidFill>
+                          <a:schemeClr val="tx1"/>
+                        </a:solidFill>
+                        <a:latin typeface="Arial" panose="020B0604020202020204" pitchFamily="34" charset="0"/>
+                        <a:cs typeface="Arial" panose="020B0604020202020204" pitchFamily="34" charset="0"/>
+                      </a:endParaRPr>
+                    </a:p>
+                  </a:txBody>
+                  <a:tcPr>
+                    <a:lnL w="12700" cap="flat" cmpd="sng" algn="ctr">
+                      <a:solidFill>
+                        <a:schemeClr val="tx1"/>
+                      </a:solidFill>
+                      <a:prstDash val="solid"/>
+                      <a:round/>
+                      <a:headEnd type="none" w="med" len="med"/>
+                      <a:tailEnd type="none" w="med" len="med"/>
+                    </a:lnL>
+                    <a:lnR w="12700" cap="flat" cmpd="sng" algn="ctr">
+                      <a:solidFill>
+                        <a:schemeClr val="tx1"/>
+                      </a:solidFill>
+                      <a:prstDash val="solid"/>
+                      <a:round/>
+                      <a:headEnd type="none" w="med" len="med"/>
+                      <a:tailEnd type="none" w="med" len="med"/>
+                    </a:lnR>
+                    <a:lnT w="12700" cap="flat" cmpd="sng" algn="ctr">
+                      <a:solidFill>
+                        <a:schemeClr val="tx1"/>
+                      </a:solidFill>
+                      <a:prstDash val="solid"/>
+                      <a:round/>
+                      <a:headEnd type="none" w="med" len="med"/>
+                      <a:tailEnd type="none" w="med" len="med"/>
+                    </a:lnT>
+                    <a:lnB w="12700" cap="flat" cmpd="sng" algn="ctr">
+                      <a:solidFill>
+                        <a:schemeClr val="tx1"/>
+                      </a:solidFill>
+                      <a:prstDash val="solid"/>
+                      <a:round/>
+                      <a:headEnd type="none" w="med" len="med"/>
+                      <a:tailEnd type="none" w="med" len="med"/>
+                    </a:lnB>
+                    <a:noFill/>
+                  </a:tcPr>
+                </a:tc>
                 <a:extLst>
                   <a:ext uri="{0D108BD9-81ED-4DB2-BD59-A6C34878D82A}">
-                    <a16:rowId xmlns:a16="http://schemas.microsoft.com/office/drawing/2014/main" val="2311931218"/>
+                    <a16:rowId xmlns:a16="http://schemas.microsoft.com/office/drawing/2014/main" val="3877493019"/>
                   </a:ext>
                 </a:extLst>
               </a:tr>
